--- a/Semester1/607/Presentation/Splunk for Data Analysis.pptx
+++ b/Semester1/607/Presentation/Splunk for Data Analysis.pptx
@@ -455,7 +455,7 @@
             <a:fld id="{5923F103-BC34-4FE4-A40E-EDDEECFDA5D0}" type="datetimeFigureOut">
               <a:rPr lang="en-US" dirty="0"/>
               <a:pPr/>
-              <a:t>3/13/2019</a:t>
+              <a:t>3/18/2019</a:t>
             </a:fld>
             <a:endParaRPr lang="en-US" dirty="0"/>
           </a:p>
@@ -1543,7 +1543,7 @@
           <a:p>
             <a:fld id="{923A1CC3-2375-41D4-9E03-427CAF2A4C1A}" type="datetimeFigureOut">
               <a:rPr lang="en-US" dirty="0"/>
-              <a:t>3/13/2019</a:t>
+              <a:t>3/18/2019</a:t>
             </a:fld>
             <a:endParaRPr lang="en-US" dirty="0"/>
           </a:p>
@@ -2523,7 +2523,7 @@
           <a:p>
             <a:fld id="{AFF16868-8199-4C2C-A5B1-63AEE139F88E}" type="datetimeFigureOut">
               <a:rPr lang="en-US" dirty="0"/>
-              <a:t>3/13/2019</a:t>
+              <a:t>3/18/2019</a:t>
             </a:fld>
             <a:endParaRPr lang="en-US" dirty="0"/>
           </a:p>
@@ -3657,7 +3657,7 @@
           <a:p>
             <a:fld id="{AAD9FF7F-6988-44CC-821B-644E70CD2F73}" type="datetimeFigureOut">
               <a:rPr lang="en-US" dirty="0"/>
-              <a:t>3/13/2019</a:t>
+              <a:t>3/18/2019</a:t>
             </a:fld>
             <a:endParaRPr lang="en-US" dirty="0"/>
           </a:p>
@@ -4690,7 +4690,7 @@
           <a:p>
             <a:fld id="{5C12C299-16B2-4475-990D-751901EACC14}" type="datetimeFigureOut">
               <a:rPr lang="en-US" dirty="0"/>
-              <a:t>3/13/2019</a:t>
+              <a:t>3/18/2019</a:t>
             </a:fld>
             <a:endParaRPr lang="en-US" dirty="0"/>
           </a:p>
@@ -5350,7 +5350,7 @@
           <a:p>
             <a:fld id="{9FE86839-B9D8-4651-8783-F325ECE74E65}" type="datetimeFigureOut">
               <a:rPr lang="en-US" dirty="0"/>
-              <a:t>3/13/2019</a:t>
+              <a:t>3/18/2019</a:t>
             </a:fld>
             <a:endParaRPr lang="en-US" dirty="0"/>
           </a:p>
@@ -6211,7 +6211,7 @@
           <a:p>
             <a:fld id="{FD484F64-32F6-45C5-931F-ADC1662401D0}" type="datetimeFigureOut">
               <a:rPr lang="en-US" dirty="0"/>
-              <a:t>3/13/2019</a:t>
+              <a:t>3/18/2019</a:t>
             </a:fld>
             <a:endParaRPr lang="en-US" dirty="0"/>
           </a:p>
@@ -6401,7 +6401,7 @@
           <a:p>
             <a:fld id="{53086D93-FCAC-47E0-A2EE-787E62CA814C}" type="datetimeFigureOut">
               <a:rPr lang="en-US" dirty="0"/>
-              <a:t>3/13/2019</a:t>
+              <a:t>3/18/2019</a:t>
             </a:fld>
             <a:endParaRPr lang="en-US" dirty="0"/>
           </a:p>
@@ -7373,7 +7373,7 @@
           <a:p>
             <a:fld id="{CDA879A6-0FD0-4734-A311-86BFCA472E6E}" type="datetimeFigureOut">
               <a:rPr lang="en-US" dirty="0"/>
-              <a:t>3/13/2019</a:t>
+              <a:t>3/18/2019</a:t>
             </a:fld>
             <a:endParaRPr lang="en-US" dirty="0"/>
           </a:p>
@@ -7584,7 +7584,7 @@
           <a:p>
             <a:fld id="{19C9CA7B-DFD4-44B5-8C60-D14B8CD1FB59}" type="datetimeFigureOut">
               <a:rPr lang="en-US" dirty="0"/>
-              <a:t>3/13/2019</a:t>
+              <a:t>3/18/2019</a:t>
             </a:fld>
             <a:endParaRPr lang="en-US" dirty="0"/>
           </a:p>
@@ -8618,7 +8618,7 @@
           <a:p>
             <a:fld id="{F34E6425-0181-43F2-84FC-787E803FD2F8}" type="datetimeFigureOut">
               <a:rPr lang="en-US" dirty="0"/>
-              <a:t>3/13/2019</a:t>
+              <a:t>3/18/2019</a:t>
             </a:fld>
             <a:endParaRPr lang="en-US" dirty="0"/>
           </a:p>
@@ -8890,7 +8890,7 @@
           <a:p>
             <a:fld id="{3BDB8791-F1B0-41E7-B7FD-A781E65C4266}" type="datetimeFigureOut">
               <a:rPr lang="en-US" dirty="0"/>
-              <a:t>3/13/2019</a:t>
+              <a:t>3/18/2019</a:t>
             </a:fld>
             <a:endParaRPr lang="en-US" dirty="0"/>
           </a:p>
@@ -9300,7 +9300,7 @@
           <a:p>
             <a:fld id="{5FDD63B2-E120-4ED8-B27B-C685F510A5FE}" type="datetimeFigureOut">
               <a:rPr lang="en-US" dirty="0"/>
-              <a:t>3/13/2019</a:t>
+              <a:t>3/18/2019</a:t>
             </a:fld>
             <a:endParaRPr lang="en-US" dirty="0"/>
           </a:p>
@@ -9427,7 +9427,7 @@
           <a:p>
             <a:fld id="{7AA18ACC-A947-437B-A130-35BD54FDF1E9}" type="datetimeFigureOut">
               <a:rPr lang="en-US" dirty="0"/>
-              <a:t>3/13/2019</a:t>
+              <a:t>3/18/2019</a:t>
             </a:fld>
             <a:endParaRPr lang="en-US" dirty="0"/>
           </a:p>
@@ -9522,7 +9522,7 @@
           <a:p>
             <a:fld id="{7C8D7E02-BCB8-4D50-A234-369438C08659}" type="datetimeFigureOut">
               <a:rPr lang="en-US" dirty="0"/>
-              <a:t>3/13/2019</a:t>
+              <a:t>3/18/2019</a:t>
             </a:fld>
             <a:endParaRPr lang="en-US" dirty="0"/>
           </a:p>
@@ -10603,7 +10603,7 @@
           <a:p>
             <a:fld id="{76E86A4C-8E40-4F87-A4F0-01A0687C5742}" type="datetimeFigureOut">
               <a:rPr lang="en-US" dirty="0"/>
-              <a:t>3/13/2019</a:t>
+              <a:t>3/18/2019</a:t>
             </a:fld>
             <a:endParaRPr lang="en-US" dirty="0"/>
           </a:p>
@@ -11711,7 +11711,7 @@
           <a:p>
             <a:fld id="{35E72C73-2D91-4E12-BA25-F0AA0C03599B}" type="datetimeFigureOut">
               <a:rPr lang="en-US" dirty="0"/>
-              <a:t>3/13/2019</a:t>
+              <a:t>3/18/2019</a:t>
             </a:fld>
             <a:endParaRPr lang="en-US" dirty="0"/>
           </a:p>
@@ -12708,7 +12708,7 @@
           <a:p>
             <a:fld id="{2BE451C3-0FF4-47C4-B829-773ADF60F88C}" type="datetimeFigureOut">
               <a:rPr lang="en-US" dirty="0"/>
-              <a:t>3/13/2019</a:t>
+              <a:t>3/18/2019</a:t>
             </a:fld>
             <a:endParaRPr lang="en-US" dirty="0"/>
           </a:p>
@@ -16458,7 +16458,7 @@
         </p:blipFill>
         <p:spPr>
           <a:xfrm>
-            <a:off x="655357" y="1571813"/>
+            <a:off x="347132" y="1587224"/>
             <a:ext cx="7108628" cy="4845413"/>
           </a:xfrm>
           <a:prstGeom prst="rect">
@@ -16488,7 +16488,7 @@
         </p:blipFill>
         <p:spPr>
           <a:xfrm>
-            <a:off x="7231053" y="1531480"/>
+            <a:off x="7171185" y="1304368"/>
             <a:ext cx="5020815" cy="2928922"/>
           </a:xfrm>
           <a:prstGeom prst="rect">
@@ -16518,7 +16518,7 @@
         </p:blipFill>
         <p:spPr>
           <a:xfrm>
-            <a:off x="7231053" y="4311650"/>
+            <a:off x="7231053" y="4496585"/>
             <a:ext cx="4960947" cy="2546350"/>
           </a:xfrm>
           <a:prstGeom prst="rect">
@@ -16770,7 +16770,10 @@
           <a:bodyPr/>
           <a:lstStyle/>
           <a:p>
-            <a:endParaRPr lang="en-US"/>
+            <a:r>
+              <a:rPr lang="en-US" dirty="0"/>
+              <a:t>Programs using other technologies such as R, Python can be integrated into Splunk (SPL).</a:t>
+            </a:r>
           </a:p>
         </p:txBody>
       </p:sp>
@@ -16848,10 +16851,361 @@
             <p:ph idx="1"/>
           </p:nvPr>
         </p:nvSpPr>
-        <p:spPr/>
+        <p:spPr>
+          <a:xfrm>
+            <a:off x="1154954" y="2603500"/>
+            <a:ext cx="8825659" cy="1917129"/>
+          </a:xfrm>
+        </p:spPr>
         <p:txBody>
           <a:bodyPr/>
           <a:lstStyle/>
+          <a:p>
+            <a:pPr marL="0" indent="0">
+              <a:buNone/>
+            </a:pPr>
+            <a:r>
+              <a:rPr lang="en-US" dirty="0"/>
+              <a:t>Pros: </a:t>
+            </a:r>
+          </a:p>
+          <a:p>
+            <a:pPr lvl="1"/>
+            <a:r>
+              <a:rPr lang="en-US" dirty="0"/>
+              <a:t>Tool that is currently one of the leaders in Data Analytics</a:t>
+            </a:r>
+          </a:p>
+          <a:p>
+            <a:pPr lvl="1"/>
+            <a:r>
+              <a:rPr lang="en-US" dirty="0"/>
+              <a:t>Can handle wide variety of data sources</a:t>
+            </a:r>
+          </a:p>
+          <a:p>
+            <a:pPr lvl="1"/>
+            <a:r>
+              <a:rPr lang="en-US" dirty="0"/>
+              <a:t>Wide variety of use cases such as Analytics, Threat monitoring, Alerts, Pattern detection</a:t>
+            </a:r>
+          </a:p>
+          <a:p>
+            <a:pPr marL="457200" lvl="1" indent="0">
+              <a:buNone/>
+            </a:pPr>
+            <a:endParaRPr lang="en-US" dirty="0"/>
+          </a:p>
+          <a:p>
+            <a:pPr marL="457200" lvl="1" indent="0">
+              <a:buNone/>
+            </a:pPr>
+            <a:endParaRPr lang="en-US" dirty="0"/>
+          </a:p>
+          <a:p>
+            <a:endParaRPr lang="en-US" dirty="0"/>
+          </a:p>
+        </p:txBody>
+      </p:sp>
+      <p:sp>
+        <p:nvSpPr>
+          <p:cNvPr id="4" name="Content Placeholder 2">
+            <a:extLst>
+              <a:ext uri="{FF2B5EF4-FFF2-40B4-BE49-F238E27FC236}">
+                <a16:creationId xmlns:a16="http://schemas.microsoft.com/office/drawing/2014/main" id="{75688244-DF61-4FBC-9D27-3CFA05B9C1C2}"/>
+              </a:ext>
+            </a:extLst>
+          </p:cNvPr>
+          <p:cNvSpPr txBox="1">
+            <a:spLocks/>
+          </p:cNvSpPr>
+          <p:nvPr/>
+        </p:nvSpPr>
+        <p:spPr>
+          <a:xfrm>
+            <a:off x="891251" y="4600111"/>
+            <a:ext cx="8825659" cy="1917129"/>
+          </a:xfrm>
+          <a:prstGeom prst="rect">
+            <a:avLst/>
+          </a:prstGeom>
+        </p:spPr>
+        <p:txBody>
+          <a:bodyPr vert="horz" lIns="91440" tIns="45720" rIns="91440" bIns="45720" rtlCol="0">
+            <a:normAutofit/>
+          </a:bodyPr>
+          <a:lstStyle>
+            <a:lvl1pPr marL="342900" indent="-342900" algn="l" defTabSz="457200" rtl="0" eaLnBrk="1" latinLnBrk="0" hangingPunct="1">
+              <a:spcBef>
+                <a:spcPts val="1000"/>
+              </a:spcBef>
+              <a:spcAft>
+                <a:spcPts val="0"/>
+              </a:spcAft>
+              <a:buClr>
+                <a:schemeClr val="accent1"/>
+              </a:buClr>
+              <a:buSzPct val="80000"/>
+              <a:buFont typeface="Wingdings 3" charset="2"/>
+              <a:buChar char=""/>
+              <a:defRPr sz="1800" b="0" i="0" kern="1200">
+                <a:solidFill>
+                  <a:schemeClr val="tx1">
+                    <a:lumMod val="75000"/>
+                    <a:lumOff val="25000"/>
+                  </a:schemeClr>
+                </a:solidFill>
+                <a:latin typeface="+mn-lt"/>
+                <a:ea typeface="+mn-ea"/>
+                <a:cs typeface="+mn-cs"/>
+              </a:defRPr>
+            </a:lvl1pPr>
+            <a:lvl2pPr marL="742950" indent="-285750" algn="l" defTabSz="457200" rtl="0" eaLnBrk="1" latinLnBrk="0" hangingPunct="1">
+              <a:spcBef>
+                <a:spcPts val="1000"/>
+              </a:spcBef>
+              <a:spcAft>
+                <a:spcPts val="0"/>
+              </a:spcAft>
+              <a:buClr>
+                <a:schemeClr val="accent1"/>
+              </a:buClr>
+              <a:buSzPct val="80000"/>
+              <a:buFont typeface="Wingdings 3" charset="2"/>
+              <a:buChar char=""/>
+              <a:defRPr sz="1600" b="0" i="0" kern="1200">
+                <a:solidFill>
+                  <a:schemeClr val="tx1">
+                    <a:lumMod val="75000"/>
+                    <a:lumOff val="25000"/>
+                  </a:schemeClr>
+                </a:solidFill>
+                <a:latin typeface="+mn-lt"/>
+                <a:ea typeface="+mn-ea"/>
+                <a:cs typeface="+mn-cs"/>
+              </a:defRPr>
+            </a:lvl2pPr>
+            <a:lvl3pPr marL="1143000" indent="-228600" algn="l" defTabSz="457200" rtl="0" eaLnBrk="1" latinLnBrk="0" hangingPunct="1">
+              <a:spcBef>
+                <a:spcPts val="1000"/>
+              </a:spcBef>
+              <a:spcAft>
+                <a:spcPts val="0"/>
+              </a:spcAft>
+              <a:buClr>
+                <a:schemeClr val="accent1"/>
+              </a:buClr>
+              <a:buSzPct val="80000"/>
+              <a:buFont typeface="Wingdings 3" charset="2"/>
+              <a:buChar char=""/>
+              <a:defRPr sz="1400" b="0" i="0" kern="1200">
+                <a:solidFill>
+                  <a:schemeClr val="tx1">
+                    <a:lumMod val="75000"/>
+                    <a:lumOff val="25000"/>
+                  </a:schemeClr>
+                </a:solidFill>
+                <a:latin typeface="+mn-lt"/>
+                <a:ea typeface="+mn-ea"/>
+                <a:cs typeface="+mn-cs"/>
+              </a:defRPr>
+            </a:lvl3pPr>
+            <a:lvl4pPr marL="1600200" indent="-228600" algn="l" defTabSz="457200" rtl="0" eaLnBrk="1" latinLnBrk="0" hangingPunct="1">
+              <a:spcBef>
+                <a:spcPts val="1000"/>
+              </a:spcBef>
+              <a:spcAft>
+                <a:spcPts val="0"/>
+              </a:spcAft>
+              <a:buClr>
+                <a:schemeClr val="accent1"/>
+              </a:buClr>
+              <a:buSzPct val="80000"/>
+              <a:buFont typeface="Wingdings 3" charset="2"/>
+              <a:buChar char=""/>
+              <a:defRPr sz="1200" b="0" i="0" kern="1200">
+                <a:solidFill>
+                  <a:schemeClr val="tx1">
+                    <a:lumMod val="75000"/>
+                    <a:lumOff val="25000"/>
+                  </a:schemeClr>
+                </a:solidFill>
+                <a:latin typeface="+mn-lt"/>
+                <a:ea typeface="+mn-ea"/>
+                <a:cs typeface="+mn-cs"/>
+              </a:defRPr>
+            </a:lvl4pPr>
+            <a:lvl5pPr marL="2057400" indent="-228600" algn="l" defTabSz="457200" rtl="0" eaLnBrk="1" latinLnBrk="0" hangingPunct="1">
+              <a:spcBef>
+                <a:spcPts val="1000"/>
+              </a:spcBef>
+              <a:spcAft>
+                <a:spcPts val="0"/>
+              </a:spcAft>
+              <a:buClr>
+                <a:schemeClr val="accent1"/>
+              </a:buClr>
+              <a:buSzPct val="80000"/>
+              <a:buFont typeface="Wingdings 3" charset="2"/>
+              <a:buChar char=""/>
+              <a:defRPr sz="1200" b="0" i="0" kern="1200">
+                <a:solidFill>
+                  <a:schemeClr val="tx1">
+                    <a:lumMod val="75000"/>
+                    <a:lumOff val="25000"/>
+                  </a:schemeClr>
+                </a:solidFill>
+                <a:latin typeface="+mn-lt"/>
+                <a:ea typeface="+mn-ea"/>
+                <a:cs typeface="+mn-cs"/>
+              </a:defRPr>
+            </a:lvl5pPr>
+            <a:lvl6pPr marL="2514600" indent="-228600" algn="l" defTabSz="457200" rtl="0" eaLnBrk="1" latinLnBrk="0" hangingPunct="1">
+              <a:spcBef>
+                <a:spcPts val="1000"/>
+              </a:spcBef>
+              <a:spcAft>
+                <a:spcPts val="0"/>
+              </a:spcAft>
+              <a:buClr>
+                <a:schemeClr val="accent1"/>
+              </a:buClr>
+              <a:buSzPct val="80000"/>
+              <a:buFont typeface="Wingdings 3" charset="2"/>
+              <a:buChar char=""/>
+              <a:defRPr sz="1200" b="0" i="0" kern="1200">
+                <a:solidFill>
+                  <a:schemeClr val="tx1">
+                    <a:lumMod val="75000"/>
+                    <a:lumOff val="25000"/>
+                  </a:schemeClr>
+                </a:solidFill>
+                <a:latin typeface="+mn-lt"/>
+                <a:ea typeface="+mn-ea"/>
+                <a:cs typeface="+mn-cs"/>
+              </a:defRPr>
+            </a:lvl6pPr>
+            <a:lvl7pPr marL="2971800" indent="-228600" algn="l" defTabSz="457200" rtl="0" eaLnBrk="1" latinLnBrk="0" hangingPunct="1">
+              <a:spcBef>
+                <a:spcPts val="1000"/>
+              </a:spcBef>
+              <a:spcAft>
+                <a:spcPts val="0"/>
+              </a:spcAft>
+              <a:buClr>
+                <a:schemeClr val="accent1"/>
+              </a:buClr>
+              <a:buSzPct val="80000"/>
+              <a:buFont typeface="Wingdings 3" charset="2"/>
+              <a:buChar char=""/>
+              <a:defRPr sz="1200" b="0" i="0" kern="1200">
+                <a:solidFill>
+                  <a:schemeClr val="tx1">
+                    <a:lumMod val="75000"/>
+                    <a:lumOff val="25000"/>
+                  </a:schemeClr>
+                </a:solidFill>
+                <a:latin typeface="+mn-lt"/>
+                <a:ea typeface="+mn-ea"/>
+                <a:cs typeface="+mn-cs"/>
+              </a:defRPr>
+            </a:lvl7pPr>
+            <a:lvl8pPr marL="3429000" indent="-228600" algn="l" defTabSz="457200" rtl="0" eaLnBrk="1" latinLnBrk="0" hangingPunct="1">
+              <a:spcBef>
+                <a:spcPts val="1000"/>
+              </a:spcBef>
+              <a:spcAft>
+                <a:spcPts val="0"/>
+              </a:spcAft>
+              <a:buClr>
+                <a:schemeClr val="accent1"/>
+              </a:buClr>
+              <a:buSzPct val="80000"/>
+              <a:buFont typeface="Wingdings 3" charset="2"/>
+              <a:buChar char=""/>
+              <a:defRPr sz="1200" b="0" i="0" kern="1200">
+                <a:solidFill>
+                  <a:schemeClr val="tx1">
+                    <a:lumMod val="75000"/>
+                    <a:lumOff val="25000"/>
+                  </a:schemeClr>
+                </a:solidFill>
+                <a:latin typeface="+mn-lt"/>
+                <a:ea typeface="+mn-ea"/>
+                <a:cs typeface="+mn-cs"/>
+              </a:defRPr>
+            </a:lvl8pPr>
+            <a:lvl9pPr marL="3886200" indent="-228600" algn="l" defTabSz="457200" rtl="0" eaLnBrk="1" latinLnBrk="0" hangingPunct="1">
+              <a:spcBef>
+                <a:spcPts val="1000"/>
+              </a:spcBef>
+              <a:spcAft>
+                <a:spcPts val="0"/>
+              </a:spcAft>
+              <a:buClr>
+                <a:schemeClr val="accent1"/>
+              </a:buClr>
+              <a:buSzPct val="80000"/>
+              <a:buFont typeface="Wingdings 3" charset="2"/>
+              <a:buChar char=""/>
+              <a:defRPr sz="1200" b="0" i="0" kern="1200">
+                <a:solidFill>
+                  <a:schemeClr val="tx1">
+                    <a:lumMod val="75000"/>
+                    <a:lumOff val="25000"/>
+                  </a:schemeClr>
+                </a:solidFill>
+                <a:latin typeface="+mn-lt"/>
+                <a:ea typeface="+mn-ea"/>
+                <a:cs typeface="+mn-cs"/>
+              </a:defRPr>
+            </a:lvl9pPr>
+          </a:lstStyle>
+          <a:p>
+            <a:pPr marL="0" indent="0">
+              <a:buFont typeface="Wingdings 3" charset="2"/>
+              <a:buNone/>
+            </a:pPr>
+            <a:r>
+              <a:rPr lang="en-US" dirty="0"/>
+              <a:t>Cons: </a:t>
+            </a:r>
+          </a:p>
+          <a:p>
+            <a:pPr lvl="1"/>
+            <a:r>
+              <a:rPr lang="en-US" dirty="0"/>
+              <a:t>Tool is not open sourced and is controlled by corporate firm which make is a costly one</a:t>
+            </a:r>
+          </a:p>
+          <a:p>
+            <a:pPr lvl="1"/>
+            <a:r>
+              <a:rPr lang="en-US" dirty="0"/>
+              <a:t>Not being open sourced restricts integrations with newer tools delayed</a:t>
+            </a:r>
+          </a:p>
+          <a:p>
+            <a:pPr lvl="1"/>
+            <a:r>
+              <a:rPr lang="en-US" dirty="0"/>
+              <a:t> The data has to be in a key value format</a:t>
+            </a:r>
+          </a:p>
+          <a:p>
+            <a:pPr marL="457200" lvl="1" indent="0">
+              <a:buFont typeface="Wingdings 3" charset="2"/>
+              <a:buNone/>
+            </a:pPr>
+            <a:endParaRPr lang="en-US" dirty="0"/>
+          </a:p>
+          <a:p>
+            <a:pPr marL="457200" lvl="1" indent="0">
+              <a:buFont typeface="Wingdings 3" charset="2"/>
+              <a:buNone/>
+            </a:pPr>
+            <a:endParaRPr lang="en-US" dirty="0"/>
+          </a:p>
           <a:p>
             <a:endParaRPr lang="en-US" dirty="0"/>
           </a:p>
